--- a/Weekly/汇报/O2E-TU-2_汇报_0517.pptx
+++ b/Weekly/汇报/O2E-TU-2_汇报_0517.pptx
@@ -220,7 +220,7 @@
           <a:p>
             <a:fld id="{D2A48B96-639E-45A3-A0BA-2464DFDB1FAA}" type="datetimeFigureOut">
               <a:rPr lang="zh-CN" altLang="en-US" smtClean="0"/>
-              <a:t>2022/5/17</a:t>
+              <a:t>2022/6/7</a:t>
             </a:fld>
             <a:endParaRPr lang="zh-CN" altLang="en-US"/>
           </a:p>
@@ -1094,7 +1094,7 @@
           <a:p>
             <a:fld id="{D997B5FA-0921-464F-AAE1-844C04324D75}" type="datetimeFigureOut">
               <a:rPr lang="zh-CN" altLang="en-US" smtClean="0"/>
-              <a:t>2022/5/17</a:t>
+              <a:t>2022/6/7</a:t>
             </a:fld>
             <a:endParaRPr lang="zh-CN" altLang="en-US"/>
           </a:p>
@@ -1257,7 +1257,7 @@
           <a:p>
             <a:fld id="{D997B5FA-0921-464F-AAE1-844C04324D75}" type="datetimeFigureOut">
               <a:rPr lang="zh-CN" altLang="en-US" smtClean="0"/>
-              <a:t>2022/5/17</a:t>
+              <a:t>2022/6/7</a:t>
             </a:fld>
             <a:endParaRPr lang="zh-CN" altLang="en-US"/>
           </a:p>
@@ -1430,7 +1430,7 @@
           <a:p>
             <a:fld id="{D997B5FA-0921-464F-AAE1-844C04324D75}" type="datetimeFigureOut">
               <a:rPr lang="zh-CN" altLang="en-US" smtClean="0"/>
-              <a:t>2022/5/17</a:t>
+              <a:t>2022/6/7</a:t>
             </a:fld>
             <a:endParaRPr lang="zh-CN" altLang="en-US"/>
           </a:p>
@@ -1593,7 +1593,7 @@
           <a:p>
             <a:fld id="{D997B5FA-0921-464F-AAE1-844C04324D75}" type="datetimeFigureOut">
               <a:rPr lang="zh-CN" altLang="en-US" smtClean="0"/>
-              <a:t>2022/5/17</a:t>
+              <a:t>2022/6/7</a:t>
             </a:fld>
             <a:endParaRPr lang="zh-CN" altLang="en-US"/>
           </a:p>
@@ -1833,7 +1833,7 @@
           <a:p>
             <a:fld id="{D997B5FA-0921-464F-AAE1-844C04324D75}" type="datetimeFigureOut">
               <a:rPr lang="zh-CN" altLang="en-US" smtClean="0"/>
-              <a:t>2022/5/17</a:t>
+              <a:t>2022/6/7</a:t>
             </a:fld>
             <a:endParaRPr lang="zh-CN" altLang="en-US"/>
           </a:p>
@@ -2057,7 +2057,7 @@
           <a:p>
             <a:fld id="{D997B5FA-0921-464F-AAE1-844C04324D75}" type="datetimeFigureOut">
               <a:rPr lang="zh-CN" altLang="en-US" smtClean="0"/>
-              <a:t>2022/5/17</a:t>
+              <a:t>2022/6/7</a:t>
             </a:fld>
             <a:endParaRPr lang="zh-CN" altLang="en-US"/>
           </a:p>
@@ -2416,7 +2416,7 @@
           <a:p>
             <a:fld id="{D997B5FA-0921-464F-AAE1-844C04324D75}" type="datetimeFigureOut">
               <a:rPr lang="zh-CN" altLang="en-US" smtClean="0"/>
-              <a:t>2022/5/17</a:t>
+              <a:t>2022/6/7</a:t>
             </a:fld>
             <a:endParaRPr lang="zh-CN" altLang="en-US"/>
           </a:p>
@@ -2528,7 +2528,7 @@
           <a:p>
             <a:fld id="{D997B5FA-0921-464F-AAE1-844C04324D75}" type="datetimeFigureOut">
               <a:rPr lang="zh-CN" altLang="en-US" smtClean="0"/>
-              <a:t>2022/5/17</a:t>
+              <a:t>2022/6/7</a:t>
             </a:fld>
             <a:endParaRPr lang="zh-CN" altLang="en-US"/>
           </a:p>
@@ -2618,7 +2618,7 @@
           <a:p>
             <a:fld id="{D997B5FA-0921-464F-AAE1-844C04324D75}" type="datetimeFigureOut">
               <a:rPr lang="zh-CN" altLang="en-US" smtClean="0"/>
-              <a:t>2022/5/17</a:t>
+              <a:t>2022/6/7</a:t>
             </a:fld>
             <a:endParaRPr lang="zh-CN" altLang="en-US"/>
           </a:p>
@@ -2888,7 +2888,7 @@
           <a:p>
             <a:fld id="{D997B5FA-0921-464F-AAE1-844C04324D75}" type="datetimeFigureOut">
               <a:rPr lang="zh-CN" altLang="en-US" smtClean="0"/>
-              <a:t>2022/5/17</a:t>
+              <a:t>2022/6/7</a:t>
             </a:fld>
             <a:endParaRPr lang="zh-CN" altLang="en-US"/>
           </a:p>
@@ -3135,7 +3135,7 @@
           <a:p>
             <a:fld id="{D997B5FA-0921-464F-AAE1-844C04324D75}" type="datetimeFigureOut">
               <a:rPr lang="zh-CN" altLang="en-US" smtClean="0"/>
-              <a:t>2022/5/17</a:t>
+              <a:t>2022/6/7</a:t>
             </a:fld>
             <a:endParaRPr lang="zh-CN" altLang="en-US"/>
           </a:p>
@@ -3341,7 +3341,7 @@
           <a:p>
             <a:fld id="{D997B5FA-0921-464F-AAE1-844C04324D75}" type="datetimeFigureOut">
               <a:rPr lang="zh-CN" altLang="en-US" smtClean="0"/>
-              <a:t>2022/5/17</a:t>
+              <a:t>2022/6/7</a:t>
             </a:fld>
             <a:endParaRPr lang="zh-CN" altLang="en-US"/>
           </a:p>
@@ -4258,6 +4258,104 @@
               </a:rPr>
               <a:t>汇报：李真哲</a:t>
             </a:r>
+          </a:p>
+        </p:txBody>
+      </p:sp>
+      <p:sp>
+        <p:nvSpPr>
+          <p:cNvPr id="13" name="矩形 12">
+            <a:extLst>
+              <a:ext uri="{FF2B5EF4-FFF2-40B4-BE49-F238E27FC236}">
+                <a16:creationId xmlns:a16="http://schemas.microsoft.com/office/drawing/2014/main" id="{382047EF-7480-5D49-8FC6-2F6CA0E6B22E}"/>
+              </a:ext>
+            </a:extLst>
+          </p:cNvPr>
+          <p:cNvSpPr/>
+          <p:nvPr/>
+        </p:nvSpPr>
+        <p:spPr>
+          <a:xfrm>
+            <a:off x="3747184" y="4372610"/>
+            <a:ext cx="1707409" cy="589915"/>
+          </a:xfrm>
+          <a:prstGeom prst="rect">
+            <a:avLst/>
+          </a:prstGeom>
+        </p:spPr>
+        <p:style>
+          <a:lnRef idx="2">
+            <a:schemeClr val="accent1">
+              <a:shade val="50000"/>
+            </a:schemeClr>
+          </a:lnRef>
+          <a:fillRef idx="1">
+            <a:schemeClr val="accent1"/>
+          </a:fillRef>
+          <a:effectRef idx="0">
+            <a:schemeClr val="accent1"/>
+          </a:effectRef>
+          <a:fontRef idx="minor">
+            <a:schemeClr val="lt1"/>
+          </a:fontRef>
+        </p:style>
+        <p:txBody>
+          <a:bodyPr rtlCol="0" anchor="ctr"/>
+          <a:lstStyle/>
+          <a:p>
+            <a:pPr algn="ctr"/>
+            <a:endParaRPr lang="zh-CN" altLang="en-US"/>
+          </a:p>
+        </p:txBody>
+      </p:sp>
+      <p:sp>
+        <p:nvSpPr>
+          <p:cNvPr id="14" name="文本框 13">
+            <a:extLst>
+              <a:ext uri="{FF2B5EF4-FFF2-40B4-BE49-F238E27FC236}">
+                <a16:creationId xmlns:a16="http://schemas.microsoft.com/office/drawing/2014/main" id="{BCD15AAD-5A4E-2043-81AD-F9F81B97110B}"/>
+              </a:ext>
+            </a:extLst>
+          </p:cNvPr>
+          <p:cNvSpPr txBox="1"/>
+          <p:nvPr/>
+        </p:nvSpPr>
+        <p:spPr>
+          <a:xfrm>
+            <a:off x="3747185" y="4483100"/>
+            <a:ext cx="1856740" cy="369332"/>
+          </a:xfrm>
+          <a:prstGeom prst="rect">
+            <a:avLst/>
+          </a:prstGeom>
+          <a:noFill/>
+        </p:spPr>
+        <p:txBody>
+          <a:bodyPr wrap="square" rtlCol="0">
+            <a:spAutoFit/>
+          </a:bodyPr>
+          <a:lstStyle/>
+          <a:p>
+            <a:r>
+              <a:rPr lang="en-US" altLang="zh-CN" b="1" dirty="0">
+                <a:solidFill>
+                  <a:schemeClr val="bg1"/>
+                </a:solidFill>
+              </a:rPr>
+              <a:t>O2E-TU-2 </a:t>
+            </a:r>
+            <a:r>
+              <a:rPr lang="zh-CN" altLang="en-US" b="1" dirty="0">
+                <a:solidFill>
+                  <a:schemeClr val="bg1"/>
+                </a:solidFill>
+              </a:rPr>
+              <a:t>小组</a:t>
+            </a:r>
+            <a:endParaRPr lang="en-US" altLang="zh-CN" b="1" dirty="0">
+              <a:solidFill>
+                <a:schemeClr val="bg1"/>
+              </a:solidFill>
+            </a:endParaRPr>
           </a:p>
         </p:txBody>
       </p:sp>
